--- a/WEB/Day 13_Framework & Library.pptx
+++ b/WEB/Day 13_Framework & Library.pptx
@@ -1832,206 +1832,191 @@
           </a:p>
           <a:p>
             <a:r>
-              <a:rPr kumimoji="1" lang="en-US" altLang="ko-KR" dirty="0"/>
-              <a:t>https://nevertheless-</a:t>
-            </a:r>
-            <a:r>
-              <a:rPr kumimoji="1" lang="en-US" altLang="ko-KR" dirty="0" err="1"/>
-              <a:t>intheworld.tistory.com</a:t>
-            </a:r>
-            <a:r>
-              <a:rPr kumimoji="1" lang="en-US" altLang="ko-KR" dirty="0"/>
-              <a:t>/8</a:t>
-            </a:r>
-          </a:p>
-          <a:p>
-            <a:r>
-              <a:rPr kumimoji="1" lang="en-US" altLang="ko-KR" dirty="0"/>
+              <a:rPr lang="en" altLang="ko-KR" dirty="0">
+                <a:hlinkClick r:id="rId3"/>
+              </a:rPr>
+              <a:t>https://juyeop.tistory.com/23</a:t>
+            </a:r>
+            <a:endParaRPr lang="en" altLang="ko-KR" dirty="0"/>
+          </a:p>
+          <a:p>
+            <a:r>
+              <a:rPr lang="en" altLang="ko-KR" dirty="0">
+                <a:hlinkClick r:id="rId4"/>
+              </a:rPr>
+              <a:t>https://m.blog.naver.com/dktmrorl/222121510562</a:t>
+            </a:r>
+            <a:endParaRPr lang="en" altLang="ko-KR" dirty="0"/>
+          </a:p>
+          <a:p>
+            <a:r>
+              <a:rPr lang="en" altLang="ko-KR" dirty="0">
+                <a:hlinkClick r:id="rId5"/>
+              </a:rPr>
+              <a:t>https://webclub.tistory.com/458</a:t>
+            </a:r>
+            <a:endParaRPr lang="en" altLang="ko-KR" dirty="0"/>
+          </a:p>
+          <a:p>
+            <a:r>
+              <a:rPr lang="en" altLang="ko-KR" dirty="0">
+                <a:hlinkClick r:id="rId6"/>
+              </a:rPr>
+              <a:t>https://mangkyu.tistory.com/4</a:t>
+            </a:r>
+            <a:endParaRPr lang="en" altLang="ko-KR" dirty="0"/>
+          </a:p>
+          <a:p>
+            <a:r>
+              <a:rPr lang="en" altLang="ko-KR" dirty="0">
+                <a:hlinkClick r:id="rId7"/>
+              </a:rPr>
+              <a:t>https://engkimbs.tistory.com/673</a:t>
+            </a:r>
+            <a:endParaRPr lang="en" altLang="ko-KR" dirty="0"/>
+          </a:p>
+          <a:p>
+            <a:r>
+              <a:rPr lang="en" altLang="ko-KR" dirty="0">
+                <a:hlinkClick r:id="rId8"/>
+              </a:rPr>
+              <a:t>https://velog.io/@sy3783/</a:t>
+            </a:r>
+            <a:r>
+              <a:rPr lang="ko-KR" altLang="en-US" dirty="0">
+                <a:hlinkClick r:id="rId8"/>
+              </a:rPr>
+              <a:t>프레임워크와</a:t>
+            </a:r>
+            <a:r>
+              <a:rPr lang="en-US" altLang="ko-KR" dirty="0">
+                <a:hlinkClick r:id="rId8"/>
+              </a:rPr>
+              <a:t>-</a:t>
+            </a:r>
+            <a:r>
+              <a:rPr lang="ko-KR" altLang="en-US" dirty="0">
+                <a:hlinkClick r:id="rId8"/>
+              </a:rPr>
+              <a:t>라이브러리의</a:t>
+            </a:r>
+            <a:r>
+              <a:rPr lang="en-US" altLang="ko-KR" dirty="0">
+                <a:hlinkClick r:id="rId8"/>
+              </a:rPr>
+              <a:t>-</a:t>
+            </a:r>
+            <a:r>
+              <a:rPr lang="ko-KR" altLang="en-US" dirty="0">
+                <a:hlinkClick r:id="rId8"/>
+              </a:rPr>
+              <a:t>차이는</a:t>
+            </a:r>
+            <a:r>
+              <a:rPr lang="en-US" altLang="ko-KR" dirty="0">
+                <a:hlinkClick r:id="rId8"/>
+              </a:rPr>
+              <a:t>-</a:t>
+            </a:r>
+            <a:r>
+              <a:rPr lang="ko-KR" altLang="en-US" dirty="0">
+                <a:hlinkClick r:id="rId8"/>
+              </a:rPr>
+              <a:t>무엇인가</a:t>
+            </a:r>
+            <a:endParaRPr lang="ko-KR" altLang="en-US" dirty="0"/>
+          </a:p>
+          <a:p>
+            <a:r>
+              <a:rPr lang="en" altLang="ko-KR" dirty="0">
+                <a:hlinkClick r:id="rId9"/>
+              </a:rPr>
+              <a:t>https://medium.com/@hongseongho/</a:t>
+            </a:r>
+            <a:r>
+              <a:rPr lang="ko-KR" altLang="en-US" dirty="0">
+                <a:hlinkClick r:id="rId9"/>
+              </a:rPr>
+              <a:t>프레임워크와</a:t>
+            </a:r>
+            <a:r>
+              <a:rPr lang="en-US" altLang="ko-KR" dirty="0">
+                <a:hlinkClick r:id="rId9"/>
+              </a:rPr>
+              <a:t>-</a:t>
+            </a:r>
+            <a:r>
+              <a:rPr lang="ko-KR" altLang="en-US" dirty="0">
+                <a:hlinkClick r:id="rId9"/>
+              </a:rPr>
+              <a:t>라이브러리의</a:t>
+            </a:r>
+            <a:r>
+              <a:rPr lang="en-US" altLang="ko-KR" dirty="0">
+                <a:hlinkClick r:id="rId9"/>
+              </a:rPr>
+              <a:t>-</a:t>
+            </a:r>
+            <a:r>
+              <a:rPr lang="ko-KR" altLang="en-US" dirty="0">
+                <a:hlinkClick r:id="rId9"/>
+              </a:rPr>
+              <a:t>차이</a:t>
+            </a:r>
+            <a:r>
+              <a:rPr lang="en-US" altLang="ko-KR" dirty="0">
+                <a:hlinkClick r:id="rId9"/>
+              </a:rPr>
+              <a:t>-2</a:t>
+            </a:r>
+            <a:r>
+              <a:rPr lang="en" altLang="ko-KR" dirty="0">
+                <a:hlinkClick r:id="rId9"/>
+              </a:rPr>
+              <a:t>f5bf35140ca</a:t>
+            </a:r>
+            <a:endParaRPr lang="en" altLang="ko-KR" dirty="0"/>
+          </a:p>
+          <a:p>
+            <a:r>
+              <a:rPr lang="en" altLang="ko-KR" dirty="0"/>
               <a:t>https://</a:t>
             </a:r>
             <a:r>
-              <a:rPr kumimoji="1" lang="en-US" altLang="ko-KR" dirty="0" err="1"/>
-              <a:t>junsday.tistory.com</a:t>
-            </a:r>
-            <a:r>
-              <a:rPr kumimoji="1" lang="en-US" altLang="ko-KR" dirty="0"/>
-              <a:t>/36</a:t>
-            </a:r>
-          </a:p>
-          <a:p>
-            <a:r>
-              <a:rPr kumimoji="1" lang="en-US" altLang="ko-KR" dirty="0"/>
+              <a:rPr lang="en" altLang="ko-KR" dirty="0" err="1"/>
+              <a:t>boying-blog.tistory.com</a:t>
+            </a:r>
+            <a:r>
+              <a:rPr lang="en" altLang="ko-KR" dirty="0"/>
+              <a:t>/28</a:t>
+            </a:r>
+          </a:p>
+          <a:p>
+            <a:r>
+              <a:rPr lang="en" altLang="ko-KR" dirty="0"/>
               <a:t>https://</a:t>
             </a:r>
             <a:r>
-              <a:rPr kumimoji="1" lang="en-US" altLang="ko-KR" dirty="0" err="1"/>
-              <a:t>younggwan.tistory.com</a:t>
-            </a:r>
-            <a:r>
-              <a:rPr kumimoji="1" lang="en-US" altLang="ko-KR" dirty="0"/>
-              <a:t>/43</a:t>
-            </a:r>
-          </a:p>
-          <a:p>
-            <a:r>
-              <a:rPr kumimoji="1" lang="en-US" altLang="ko-KR" dirty="0"/>
-              <a:t>https://junghyun100.github.io/%EB%A9%94%EB%AA%A8%EB%A6%AC%EB%8B%A8%ED%8E%B8%ED%99%94/</a:t>
-            </a:r>
-          </a:p>
-          <a:p>
-            <a:r>
-              <a:rPr kumimoji="1" lang="en-US" altLang="ko-KR" dirty="0"/>
+              <a:rPr lang="en" altLang="ko-KR" dirty="0" err="1"/>
+              <a:t>velog.io</a:t>
+            </a:r>
+            <a:r>
+              <a:rPr lang="en" altLang="ko-KR" dirty="0"/>
+              <a:t>/@tjdud0123/API-vs-%EB%9D%BC%EC%9D%B4%EB%B8%8C%EB%9F%AC%EB%A6%AC-vs-%ED%94%84%EB%A0%88%EC%9E%84%EC%9B%8C%ED%81%AC</a:t>
+            </a:r>
+          </a:p>
+          <a:p>
+            <a:r>
+              <a:rPr lang="en" altLang="ko-KR" dirty="0"/>
               <a:t>https://</a:t>
             </a:r>
             <a:r>
-              <a:rPr kumimoji="1" lang="en-US" altLang="ko-KR" dirty="0" err="1"/>
-              <a:t>gamedevlog.tistory.com</a:t>
-            </a:r>
-            <a:r>
-              <a:rPr kumimoji="1" lang="en-US" altLang="ko-KR" dirty="0"/>
-              <a:t>/82</a:t>
-            </a:r>
-          </a:p>
-          <a:p>
-            <a:r>
-              <a:rPr kumimoji="1" lang="en-US" altLang="ko-KR" dirty="0"/>
-              <a:t>https://</a:t>
-            </a:r>
-            <a:r>
-              <a:rPr kumimoji="1" lang="en-US" altLang="ko-KR" dirty="0" err="1"/>
-              <a:t>beenii.tistory.com</a:t>
-            </a:r>
-            <a:r>
-              <a:rPr kumimoji="1" lang="en-US" altLang="ko-KR" dirty="0"/>
-              <a:t>/162</a:t>
-            </a:r>
-          </a:p>
-          <a:p>
-            <a:r>
-              <a:rPr kumimoji="1" lang="en-US" altLang="ko-KR" dirty="0"/>
-              <a:t>https://</a:t>
-            </a:r>
-            <a:r>
-              <a:rPr kumimoji="1" lang="en-US" altLang="ko-KR" dirty="0" err="1"/>
-              <a:t>m.blog.naver.com</a:t>
-            </a:r>
-            <a:r>
-              <a:rPr kumimoji="1" lang="en-US" altLang="ko-KR" dirty="0"/>
-              <a:t>/qbxlvnf11/221367174686</a:t>
-            </a:r>
-          </a:p>
-          <a:p>
-            <a:r>
-              <a:rPr kumimoji="1" lang="en-US" altLang="ko-KR" dirty="0"/>
-              <a:t>https://</a:t>
-            </a:r>
-            <a:r>
-              <a:rPr kumimoji="1" lang="en-US" altLang="ko-KR" dirty="0" err="1"/>
-              <a:t>defacto-standard.tistory.com</a:t>
-            </a:r>
-            <a:r>
-              <a:rPr kumimoji="1" lang="en-US" altLang="ko-KR" dirty="0"/>
-              <a:t>/149</a:t>
-            </a:r>
-          </a:p>
-          <a:p>
-            <a:r>
-              <a:rPr kumimoji="1" lang="en-US" altLang="ko-KR" dirty="0"/>
-              <a:t>https://kosaf04pyh.tistory.com/40</a:t>
-            </a:r>
-          </a:p>
-          <a:p>
-            <a:r>
-              <a:rPr kumimoji="1" lang="en-US" altLang="ko-KR" dirty="0"/>
-              <a:t>https://</a:t>
-            </a:r>
-            <a:r>
-              <a:rPr kumimoji="1" lang="en-US" altLang="ko-KR" dirty="0" err="1"/>
-              <a:t>jhnyang.tistory.com</a:t>
-            </a:r>
-            <a:r>
-              <a:rPr kumimoji="1" lang="en-US" altLang="ko-KR" dirty="0"/>
-              <a:t>/290</a:t>
-            </a:r>
-          </a:p>
-          <a:p>
-            <a:r>
-              <a:rPr kumimoji="1" lang="en-US" altLang="ko-KR" dirty="0"/>
-              <a:t>https://</a:t>
-            </a:r>
-            <a:r>
-              <a:rPr kumimoji="1" lang="en-US" altLang="ko-KR" dirty="0" err="1"/>
-              <a:t>www.youtube.com</a:t>
-            </a:r>
-            <a:r>
-              <a:rPr kumimoji="1" lang="en-US" altLang="ko-KR" dirty="0"/>
-              <a:t>/</a:t>
-            </a:r>
-            <a:r>
-              <a:rPr kumimoji="1" lang="en-US" altLang="ko-KR" dirty="0" err="1"/>
-              <a:t>watch?v</a:t>
-            </a:r>
-            <a:r>
-              <a:rPr kumimoji="1" lang="en-US" altLang="ko-KR" dirty="0"/>
-              <a:t>=Zpfya69taNo</a:t>
-            </a:r>
-          </a:p>
-          <a:p>
-            <a:r>
-              <a:rPr kumimoji="1" lang="en-US" altLang="ko-KR" dirty="0"/>
-              <a:t>https://</a:t>
-            </a:r>
-            <a:r>
-              <a:rPr kumimoji="1" lang="en-US" altLang="ko-KR" dirty="0" err="1"/>
-              <a:t>www.youtube.com</a:t>
-            </a:r>
-            <a:r>
-              <a:rPr kumimoji="1" lang="en-US" altLang="ko-KR" dirty="0"/>
-              <a:t>/</a:t>
-            </a:r>
-            <a:r>
-              <a:rPr kumimoji="1" lang="en-US" altLang="ko-KR" dirty="0" err="1"/>
-              <a:t>watch?v</a:t>
-            </a:r>
-            <a:r>
-              <a:rPr kumimoji="1" lang="en-US" altLang="ko-KR" dirty="0"/>
-              <a:t>=8zt_b0zdA7o</a:t>
-            </a:r>
-          </a:p>
-          <a:p>
-            <a:r>
-              <a:rPr kumimoji="1" lang="en-US" altLang="ko-KR" dirty="0"/>
-              <a:t>https://</a:t>
-            </a:r>
-            <a:r>
-              <a:rPr kumimoji="1" lang="en-US" altLang="ko-KR" dirty="0" err="1"/>
-              <a:t>blog.naver.com</a:t>
-            </a:r>
-            <a:r>
-              <a:rPr kumimoji="1" lang="en-US" altLang="ko-KR" dirty="0"/>
-              <a:t>/</a:t>
-            </a:r>
-            <a:r>
-              <a:rPr kumimoji="1" lang="en-US" altLang="ko-KR" dirty="0" err="1"/>
-              <a:t>PostView.naver?blogId</a:t>
-            </a:r>
-            <a:r>
-              <a:rPr kumimoji="1" lang="en-US" altLang="ko-KR" dirty="0"/>
-              <a:t>=</a:t>
-            </a:r>
-            <a:r>
-              <a:rPr kumimoji="1" lang="en-US" altLang="ko-KR" dirty="0" err="1"/>
-              <a:t>ruvendix&amp;logNo</a:t>
-            </a:r>
-            <a:r>
-              <a:rPr kumimoji="1" lang="en-US" altLang="ko-KR" dirty="0"/>
-              <a:t>=221333044853</a:t>
-            </a:r>
-          </a:p>
-          <a:p>
-            <a:r>
-              <a:rPr kumimoji="1" lang="en-US" altLang="ko-KR" dirty="0"/>
-              <a:t>https://ozt88.tistory.com/31</a:t>
+              <a:rPr lang="en" altLang="ko-KR" dirty="0" err="1"/>
+              <a:t>cameldev.tistory.com</a:t>
+            </a:r>
+            <a:r>
+              <a:rPr lang="en" altLang="ko-KR" dirty="0"/>
+              <a:t>/24</a:t>
             </a:r>
           </a:p>
         </p:txBody>
